--- a/fakenewsdetectionposter.pptx
+++ b/fakenewsdetectionposter.pptx
@@ -8,7 +8,7 @@
     <p:sldId id="256" r:id="rId2"/>
   </p:sldIdLst>
   <p:sldSz cx="30279975" cy="42808525"/>
-  <p:notesSz cx="6858000" cy="9144000"/>
+  <p:notesSz cx="6797675" cy="9928225"/>
   <p:defaultTextStyle>
     <a:defPPr>
       <a:defRPr lang="en-US"/>
@@ -1375,7 +1375,7 @@
         </p:nvSpPr>
         <p:spPr>
           <a:xfrm>
-            <a:off x="4482803" y="10183872"/>
+            <a:off x="4450906" y="10882597"/>
             <a:ext cx="6192688" cy="5170646"/>
           </a:xfrm>
           <a:prstGeom prst="rect">
@@ -1421,7 +1421,7 @@
         </p:nvSpPr>
         <p:spPr>
           <a:xfrm>
-            <a:off x="18884403" y="10097697"/>
+            <a:off x="20096086" y="10882597"/>
             <a:ext cx="6192688" cy="5170646"/>
           </a:xfrm>
           <a:prstGeom prst="rect">
@@ -1441,7 +1441,7 @@
                   <a:schemeClr val="accent1"/>
                 </a:solidFill>
               </a:rPr>
-              <a:t>Solution</a:t>
+              <a:t>Aim</a:t>
             </a:r>
             <a:endParaRPr lang="en-US" sz="12000" dirty="0"/>
           </a:p>
@@ -1502,8 +1502,8 @@
         </p:nvSpPr>
         <p:spPr>
           <a:xfrm>
-            <a:off x="1415879" y="12259494"/>
-            <a:ext cx="13033448" cy="6560745"/>
+            <a:off x="1415879" y="12996858"/>
+            <a:ext cx="13033448" cy="4990047"/>
           </a:xfrm>
           <a:prstGeom prst="roundRect">
             <a:avLst/>
@@ -1544,7 +1544,7 @@
                   <a:schemeClr val="tx1"/>
                 </a:solidFill>
               </a:rPr>
-              <a:t>Fake news or fabricated content deceitfully presented as real news. </a:t>
+              <a:t>Fake news or fabricated content deceitfully presented as real news</a:t>
             </a:r>
           </a:p>
           <a:p>
@@ -1558,15 +1558,8 @@
                   <a:schemeClr val="tx1"/>
                 </a:solidFill>
               </a:rPr>
-              <a:t>Fake news stories getting a lot of traction on social media, at times even outperforming actual news stories. </a:t>
-            </a:r>
-          </a:p>
-          <a:p>
-            <a:endParaRPr lang="en-US" sz="4800" dirty="0">
-              <a:solidFill>
-                <a:schemeClr val="tx1"/>
-              </a:solidFill>
-            </a:endParaRPr>
+              <a:t>Fake news stories getting a lot of traction on social media, at times even outperforming actual news stories </a:t>
+            </a:r>
           </a:p>
         </p:txBody>
       </p:sp>
@@ -1584,8 +1577,8 @@
         </p:nvSpPr>
         <p:spPr>
           <a:xfrm>
-            <a:off x="15932076" y="12259494"/>
-            <a:ext cx="12932020" cy="6478369"/>
+            <a:off x="15932076" y="12996859"/>
+            <a:ext cx="12932020" cy="4988001"/>
           </a:xfrm>
           <a:prstGeom prst="roundRect">
             <a:avLst/>
@@ -1626,7 +1619,7 @@
                   <a:schemeClr val="tx1"/>
                 </a:solidFill>
               </a:rPr>
-              <a:t>A Mobile application that mitigates the spread of fake news.</a:t>
+              <a:t>Using Hyperledger Fabric as a blockchain platform</a:t>
             </a:r>
           </a:p>
           <a:p>
@@ -1640,7 +1633,7 @@
                   <a:schemeClr val="tx1"/>
                 </a:solidFill>
               </a:rPr>
-              <a:t>Incenting people to share and rank stories and stash the results on the blockchain.</a:t>
+              <a:t>Prototyping a mobile application that depicts a use case scenario for detecting fake news</a:t>
             </a:r>
           </a:p>
         </p:txBody>
@@ -1659,8 +1652,8 @@
         </p:nvSpPr>
         <p:spPr>
           <a:xfrm>
-            <a:off x="6152905" y="31668323"/>
-            <a:ext cx="9045171" cy="3323987"/>
+            <a:off x="4450906" y="32685088"/>
+            <a:ext cx="8870251" cy="3323987"/>
           </a:xfrm>
           <a:prstGeom prst="rect">
             <a:avLst/>
@@ -1679,7 +1672,7 @@
                   <a:schemeClr val="accent1"/>
                 </a:solidFill>
               </a:rPr>
-              <a:t>Aim</a:t>
+              <a:t>Solution</a:t>
             </a:r>
             <a:endParaRPr lang="en-US" sz="12000" dirty="0"/>
           </a:p>
@@ -1702,8 +1695,8 @@
         </p:nvSpPr>
         <p:spPr>
           <a:xfrm>
-            <a:off x="1285601" y="21370251"/>
-            <a:ext cx="27651074" cy="10056923"/>
+            <a:off x="1398836" y="20370791"/>
+            <a:ext cx="27651074" cy="11339470"/>
           </a:xfrm>
           <a:prstGeom prst="roundRect">
             <a:avLst/>
@@ -1767,8 +1760,8 @@
         </p:blipFill>
         <p:spPr>
           <a:xfrm>
-            <a:off x="1746499" y="21570791"/>
-            <a:ext cx="26786976" cy="9573730"/>
+            <a:off x="1757913" y="20551389"/>
+            <a:ext cx="26847569" cy="10996236"/>
           </a:xfrm>
           <a:prstGeom prst="rect">
             <a:avLst/>
@@ -1789,7 +1782,7 @@
         </p:nvSpPr>
         <p:spPr>
           <a:xfrm>
-            <a:off x="12022536" y="19290226"/>
+            <a:off x="12259668" y="18439174"/>
             <a:ext cx="9937104" cy="3323987"/>
           </a:xfrm>
           <a:prstGeom prst="rect">
@@ -1832,8 +1825,8 @@
         </p:nvSpPr>
         <p:spPr>
           <a:xfrm>
-            <a:off x="1746499" y="33507199"/>
-            <a:ext cx="12702828" cy="6560745"/>
+            <a:off x="1415880" y="34635150"/>
+            <a:ext cx="12932020" cy="5275168"/>
           </a:xfrm>
           <a:prstGeom prst="roundRect">
             <a:avLst/>
@@ -1864,7 +1857,7 @@
           <a:bodyPr rtlCol="0" anchor="ctr"/>
           <a:lstStyle/>
           <a:p>
-            <a:pPr marL="1143000" indent="-1143000">
+            <a:pPr marL="685800" indent="-685800">
               <a:buFont typeface="Arial" panose="020B0604020202020204" pitchFamily="34" charset="0"/>
               <a:buChar char="•"/>
             </a:pPr>
@@ -1874,11 +1867,11 @@
                   <a:schemeClr val="tx1"/>
                 </a:solidFill>
               </a:rPr>
-              <a:t>Using Hyperledger Fabric as a blockchain platform.</a:t>
-            </a:r>
-          </a:p>
-          <a:p>
-            <a:pPr marL="1143000" indent="-1143000">
+              <a:t>A mobile application that mitigates the spread of fake news</a:t>
+            </a:r>
+          </a:p>
+          <a:p>
+            <a:pPr marL="685800" indent="-685800">
               <a:buFont typeface="Arial" panose="020B0604020202020204" pitchFamily="34" charset="0"/>
               <a:buChar char="•"/>
             </a:pPr>
@@ -1888,7 +1881,7 @@
                   <a:schemeClr val="tx1"/>
                 </a:solidFill>
               </a:rPr>
-              <a:t>Prototyping a mobile application that depicts a use case scenario for detecting fake news.</a:t>
+              <a:t>Incenting people to share and rank stories and stash the results on the blockchain</a:t>
             </a:r>
           </a:p>
         </p:txBody>
@@ -1907,8 +1900,8 @@
         </p:nvSpPr>
         <p:spPr>
           <a:xfrm>
-            <a:off x="15932076" y="33528405"/>
-            <a:ext cx="13004599" cy="6560745"/>
+            <a:off x="15932076" y="34635150"/>
+            <a:ext cx="12932020" cy="5275168"/>
           </a:xfrm>
           <a:prstGeom prst="roundRect">
             <a:avLst/>
@@ -1949,7 +1942,7 @@
                   <a:schemeClr val="tx1"/>
                 </a:solidFill>
               </a:rPr>
-              <a:t>We implemented a mobile app prototype using Android and Hyperledger Fabric. </a:t>
+              <a:t>We implemented a mobile app prototype using Android and Hyperledger Fabric</a:t>
             </a:r>
           </a:p>
           <a:p>
@@ -1963,7 +1956,7 @@
                   <a:schemeClr val="tx1"/>
                 </a:solidFill>
               </a:rPr>
-              <a:t>The data is immutably stored on a decentralized blockchain. </a:t>
+              <a:t>The data is immutably stored on a decentralized blockchain</a:t>
             </a:r>
           </a:p>
           <a:p>
@@ -1993,7 +1986,7 @@
                   <a:schemeClr val="tx1"/>
                 </a:solidFill>
               </a:rPr>
-              <a:t> will rank users and events based on the location and trustworthiness. </a:t>
+              <a:t> will rank users and events based on the location and trustworthiness</a:t>
             </a:r>
           </a:p>
         </p:txBody>
@@ -2012,7 +2005,7 @@
         </p:nvSpPr>
         <p:spPr>
           <a:xfrm>
-            <a:off x="18884403" y="31594887"/>
+            <a:off x="18669845" y="32685088"/>
             <a:ext cx="9045171" cy="3323987"/>
           </a:xfrm>
           <a:prstGeom prst="rect">

--- a/fakenewsdetectionposter.pptx
+++ b/fakenewsdetectionposter.pptx
@@ -4,6 +4,9 @@
   <p:sldMasterIdLst>
     <p:sldMasterId id="2147483648" r:id="rId1"/>
   </p:sldMasterIdLst>
+  <p:notesMasterIdLst>
+    <p:notesMasterId r:id="rId3"/>
+  </p:notesMasterIdLst>
   <p:sldIdLst>
     <p:sldId id="256" r:id="rId2"/>
   </p:sldIdLst>
@@ -133,6 +136,439 @@
 </p:presentation>
 </file>
 
+<file path=ppt/notesMasters/notesMaster1.xml><?xml version="1.0" encoding="utf-8"?>
+<p:notesMaster xmlns:a="http://schemas.openxmlformats.org/drawingml/2006/main" xmlns:r="http://schemas.openxmlformats.org/officeDocument/2006/relationships" xmlns:p="http://schemas.openxmlformats.org/presentationml/2006/main">
+  <p:cSld>
+    <p:bg>
+      <p:bgRef idx="1001">
+        <a:schemeClr val="bg1"/>
+      </p:bgRef>
+    </p:bg>
+    <p:spTree>
+      <p:nvGrpSpPr>
+        <p:cNvPr id="1" name=""/>
+        <p:cNvGrpSpPr/>
+        <p:nvPr/>
+      </p:nvGrpSpPr>
+      <p:grpSpPr>
+        <a:xfrm>
+          <a:off x="0" y="0"/>
+          <a:ext cx="0" cy="0"/>
+          <a:chOff x="0" y="0"/>
+          <a:chExt cx="0" cy="0"/>
+        </a:xfrm>
+      </p:grpSpPr>
+      <p:sp>
+        <p:nvSpPr>
+          <p:cNvPr id="2" name="Header Placeholder 1"/>
+          <p:cNvSpPr>
+            <a:spLocks noGrp="1"/>
+          </p:cNvSpPr>
+          <p:nvPr>
+            <p:ph type="hdr" sz="quarter"/>
+          </p:nvPr>
+        </p:nvSpPr>
+        <p:spPr>
+          <a:xfrm>
+            <a:off x="0" y="0"/>
+            <a:ext cx="2946400" cy="498475"/>
+          </a:xfrm>
+          <a:prstGeom prst="rect">
+            <a:avLst/>
+          </a:prstGeom>
+        </p:spPr>
+        <p:txBody>
+          <a:bodyPr vert="horz" lIns="91440" tIns="45720" rIns="91440" bIns="45720" rtlCol="0"/>
+          <a:lstStyle>
+            <a:lvl1pPr algn="l">
+              <a:defRPr sz="1200"/>
+            </a:lvl1pPr>
+          </a:lstStyle>
+          <a:p>
+            <a:endParaRPr lang="en-US"/>
+          </a:p>
+        </p:txBody>
+      </p:sp>
+      <p:sp>
+        <p:nvSpPr>
+          <p:cNvPr id="3" name="Date Placeholder 2"/>
+          <p:cNvSpPr>
+            <a:spLocks noGrp="1"/>
+          </p:cNvSpPr>
+          <p:nvPr>
+            <p:ph type="dt" idx="1"/>
+          </p:nvPr>
+        </p:nvSpPr>
+        <p:spPr>
+          <a:xfrm>
+            <a:off x="3849688" y="0"/>
+            <a:ext cx="2946400" cy="498475"/>
+          </a:xfrm>
+          <a:prstGeom prst="rect">
+            <a:avLst/>
+          </a:prstGeom>
+        </p:spPr>
+        <p:txBody>
+          <a:bodyPr vert="horz" lIns="91440" tIns="45720" rIns="91440" bIns="45720" rtlCol="0"/>
+          <a:lstStyle>
+            <a:lvl1pPr algn="r">
+              <a:defRPr sz="1200"/>
+            </a:lvl1pPr>
+          </a:lstStyle>
+          <a:p>
+            <a:fld id="{D70DD2FF-DF69-47E4-B412-4C9DF42B9DF7}" type="datetimeFigureOut">
+              <a:rPr lang="en-US" smtClean="0"/>
+              <a:t>7/3/2019</a:t>
+            </a:fld>
+            <a:endParaRPr lang="en-US"/>
+          </a:p>
+        </p:txBody>
+      </p:sp>
+      <p:sp>
+        <p:nvSpPr>
+          <p:cNvPr id="4" name="Slide Image Placeholder 3"/>
+          <p:cNvSpPr>
+            <a:spLocks noGrp="1" noRot="1" noChangeAspect="1"/>
+          </p:cNvSpPr>
+          <p:nvPr>
+            <p:ph type="sldImg" idx="2"/>
+          </p:nvPr>
+        </p:nvSpPr>
+        <p:spPr>
+          <a:xfrm>
+            <a:off x="2214563" y="1241425"/>
+            <a:ext cx="2368550" cy="3349625"/>
+          </a:xfrm>
+          <a:prstGeom prst="rect">
+            <a:avLst/>
+          </a:prstGeom>
+          <a:noFill/>
+          <a:ln w="12700">
+            <a:solidFill>
+              <a:prstClr val="black"/>
+            </a:solidFill>
+          </a:ln>
+        </p:spPr>
+        <p:txBody>
+          <a:bodyPr vert="horz" lIns="91440" tIns="45720" rIns="91440" bIns="45720" rtlCol="0" anchor="ctr"/>
+          <a:lstStyle/>
+          <a:p>
+            <a:endParaRPr lang="en-US"/>
+          </a:p>
+        </p:txBody>
+      </p:sp>
+      <p:sp>
+        <p:nvSpPr>
+          <p:cNvPr id="5" name="Notes Placeholder 4"/>
+          <p:cNvSpPr>
+            <a:spLocks noGrp="1"/>
+          </p:cNvSpPr>
+          <p:nvPr>
+            <p:ph type="body" sz="quarter" idx="3"/>
+          </p:nvPr>
+        </p:nvSpPr>
+        <p:spPr>
+          <a:xfrm>
+            <a:off x="679450" y="4778375"/>
+            <a:ext cx="5438775" cy="3908425"/>
+          </a:xfrm>
+          <a:prstGeom prst="rect">
+            <a:avLst/>
+          </a:prstGeom>
+        </p:spPr>
+        <p:txBody>
+          <a:bodyPr vert="horz" lIns="91440" tIns="45720" rIns="91440" bIns="45720" rtlCol="0"/>
+          <a:lstStyle/>
+          <a:p>
+            <a:pPr lvl="0"/>
+            <a:r>
+              <a:rPr lang="en-US"/>
+              <a:t>Click to edit Master text styles</a:t>
+            </a:r>
+          </a:p>
+          <a:p>
+            <a:pPr lvl="1"/>
+            <a:r>
+              <a:rPr lang="en-US"/>
+              <a:t>Second level</a:t>
+            </a:r>
+          </a:p>
+          <a:p>
+            <a:pPr lvl="2"/>
+            <a:r>
+              <a:rPr lang="en-US"/>
+              <a:t>Third level</a:t>
+            </a:r>
+          </a:p>
+          <a:p>
+            <a:pPr lvl="3"/>
+            <a:r>
+              <a:rPr lang="en-US"/>
+              <a:t>Fourth level</a:t>
+            </a:r>
+          </a:p>
+          <a:p>
+            <a:pPr lvl="4"/>
+            <a:r>
+              <a:rPr lang="en-US"/>
+              <a:t>Fifth level</a:t>
+            </a:r>
+          </a:p>
+        </p:txBody>
+      </p:sp>
+      <p:sp>
+        <p:nvSpPr>
+          <p:cNvPr id="6" name="Footer Placeholder 5"/>
+          <p:cNvSpPr>
+            <a:spLocks noGrp="1"/>
+          </p:cNvSpPr>
+          <p:nvPr>
+            <p:ph type="ftr" sz="quarter" idx="4"/>
+          </p:nvPr>
+        </p:nvSpPr>
+        <p:spPr>
+          <a:xfrm>
+            <a:off x="0" y="9429750"/>
+            <a:ext cx="2946400" cy="498475"/>
+          </a:xfrm>
+          <a:prstGeom prst="rect">
+            <a:avLst/>
+          </a:prstGeom>
+        </p:spPr>
+        <p:txBody>
+          <a:bodyPr vert="horz" lIns="91440" tIns="45720" rIns="91440" bIns="45720" rtlCol="0" anchor="b"/>
+          <a:lstStyle>
+            <a:lvl1pPr algn="l">
+              <a:defRPr sz="1200"/>
+            </a:lvl1pPr>
+          </a:lstStyle>
+          <a:p>
+            <a:endParaRPr lang="en-US"/>
+          </a:p>
+        </p:txBody>
+      </p:sp>
+      <p:sp>
+        <p:nvSpPr>
+          <p:cNvPr id="7" name="Slide Number Placeholder 6"/>
+          <p:cNvSpPr>
+            <a:spLocks noGrp="1"/>
+          </p:cNvSpPr>
+          <p:nvPr>
+            <p:ph type="sldNum" sz="quarter" idx="5"/>
+          </p:nvPr>
+        </p:nvSpPr>
+        <p:spPr>
+          <a:xfrm>
+            <a:off x="3849688" y="9429750"/>
+            <a:ext cx="2946400" cy="498475"/>
+          </a:xfrm>
+          <a:prstGeom prst="rect">
+            <a:avLst/>
+          </a:prstGeom>
+        </p:spPr>
+        <p:txBody>
+          <a:bodyPr vert="horz" lIns="91440" tIns="45720" rIns="91440" bIns="45720" rtlCol="0" anchor="b"/>
+          <a:lstStyle>
+            <a:lvl1pPr algn="r">
+              <a:defRPr sz="1200"/>
+            </a:lvl1pPr>
+          </a:lstStyle>
+          <a:p>
+            <a:fld id="{D597D5CD-8A32-455B-AC70-F92684F1476B}" type="slidenum">
+              <a:rPr lang="en-US" smtClean="0"/>
+              <a:t>‹#›</a:t>
+            </a:fld>
+            <a:endParaRPr lang="en-US"/>
+          </a:p>
+        </p:txBody>
+      </p:sp>
+    </p:spTree>
+    <p:extLst>
+      <p:ext uri="{BB962C8B-B14F-4D97-AF65-F5344CB8AC3E}">
+        <p14:creationId xmlns:p14="http://schemas.microsoft.com/office/powerpoint/2010/main" val="3897488240"/>
+      </p:ext>
+    </p:extLst>
+  </p:cSld>
+  <p:clrMap bg1="lt1" tx1="dk1" bg2="lt2" tx2="dk2" accent1="accent1" accent2="accent2" accent3="accent3" accent4="accent4" accent5="accent5" accent6="accent6" hlink="hlink" folHlink="folHlink"/>
+  <p:notesStyle>
+    <a:lvl1pPr marL="0" algn="l" defTabSz="914400" rtl="0" eaLnBrk="1" latinLnBrk="0" hangingPunct="1">
+      <a:defRPr sz="1200" kern="1200">
+        <a:solidFill>
+          <a:schemeClr val="tx1"/>
+        </a:solidFill>
+        <a:latin typeface="+mn-lt"/>
+        <a:ea typeface="+mn-ea"/>
+        <a:cs typeface="+mn-cs"/>
+      </a:defRPr>
+    </a:lvl1pPr>
+    <a:lvl2pPr marL="457200" algn="l" defTabSz="914400" rtl="0" eaLnBrk="1" latinLnBrk="0" hangingPunct="1">
+      <a:defRPr sz="1200" kern="1200">
+        <a:solidFill>
+          <a:schemeClr val="tx1"/>
+        </a:solidFill>
+        <a:latin typeface="+mn-lt"/>
+        <a:ea typeface="+mn-ea"/>
+        <a:cs typeface="+mn-cs"/>
+      </a:defRPr>
+    </a:lvl2pPr>
+    <a:lvl3pPr marL="914400" algn="l" defTabSz="914400" rtl="0" eaLnBrk="1" latinLnBrk="0" hangingPunct="1">
+      <a:defRPr sz="1200" kern="1200">
+        <a:solidFill>
+          <a:schemeClr val="tx1"/>
+        </a:solidFill>
+        <a:latin typeface="+mn-lt"/>
+        <a:ea typeface="+mn-ea"/>
+        <a:cs typeface="+mn-cs"/>
+      </a:defRPr>
+    </a:lvl3pPr>
+    <a:lvl4pPr marL="1371600" algn="l" defTabSz="914400" rtl="0" eaLnBrk="1" latinLnBrk="0" hangingPunct="1">
+      <a:defRPr sz="1200" kern="1200">
+        <a:solidFill>
+          <a:schemeClr val="tx1"/>
+        </a:solidFill>
+        <a:latin typeface="+mn-lt"/>
+        <a:ea typeface="+mn-ea"/>
+        <a:cs typeface="+mn-cs"/>
+      </a:defRPr>
+    </a:lvl4pPr>
+    <a:lvl5pPr marL="1828800" algn="l" defTabSz="914400" rtl="0" eaLnBrk="1" latinLnBrk="0" hangingPunct="1">
+      <a:defRPr sz="1200" kern="1200">
+        <a:solidFill>
+          <a:schemeClr val="tx1"/>
+        </a:solidFill>
+        <a:latin typeface="+mn-lt"/>
+        <a:ea typeface="+mn-ea"/>
+        <a:cs typeface="+mn-cs"/>
+      </a:defRPr>
+    </a:lvl5pPr>
+    <a:lvl6pPr marL="2286000" algn="l" defTabSz="914400" rtl="0" eaLnBrk="1" latinLnBrk="0" hangingPunct="1">
+      <a:defRPr sz="1200" kern="1200">
+        <a:solidFill>
+          <a:schemeClr val="tx1"/>
+        </a:solidFill>
+        <a:latin typeface="+mn-lt"/>
+        <a:ea typeface="+mn-ea"/>
+        <a:cs typeface="+mn-cs"/>
+      </a:defRPr>
+    </a:lvl6pPr>
+    <a:lvl7pPr marL="2743200" algn="l" defTabSz="914400" rtl="0" eaLnBrk="1" latinLnBrk="0" hangingPunct="1">
+      <a:defRPr sz="1200" kern="1200">
+        <a:solidFill>
+          <a:schemeClr val="tx1"/>
+        </a:solidFill>
+        <a:latin typeface="+mn-lt"/>
+        <a:ea typeface="+mn-ea"/>
+        <a:cs typeface="+mn-cs"/>
+      </a:defRPr>
+    </a:lvl7pPr>
+    <a:lvl8pPr marL="3200400" algn="l" defTabSz="914400" rtl="0" eaLnBrk="1" latinLnBrk="0" hangingPunct="1">
+      <a:defRPr sz="1200" kern="1200">
+        <a:solidFill>
+          <a:schemeClr val="tx1"/>
+        </a:solidFill>
+        <a:latin typeface="+mn-lt"/>
+        <a:ea typeface="+mn-ea"/>
+        <a:cs typeface="+mn-cs"/>
+      </a:defRPr>
+    </a:lvl8pPr>
+    <a:lvl9pPr marL="3657600" algn="l" defTabSz="914400" rtl="0" eaLnBrk="1" latinLnBrk="0" hangingPunct="1">
+      <a:defRPr sz="1200" kern="1200">
+        <a:solidFill>
+          <a:schemeClr val="tx1"/>
+        </a:solidFill>
+        <a:latin typeface="+mn-lt"/>
+        <a:ea typeface="+mn-ea"/>
+        <a:cs typeface="+mn-cs"/>
+      </a:defRPr>
+    </a:lvl9pPr>
+  </p:notesStyle>
+</p:notesMaster>
+</file>
+
+<file path=ppt/notesSlides/notesSlide1.xml><?xml version="1.0" encoding="utf-8"?>
+<p:notes xmlns:a="http://schemas.openxmlformats.org/drawingml/2006/main" xmlns:r="http://schemas.openxmlformats.org/officeDocument/2006/relationships" xmlns:p="http://schemas.openxmlformats.org/presentationml/2006/main">
+  <p:cSld>
+    <p:spTree>
+      <p:nvGrpSpPr>
+        <p:cNvPr id="1" name=""/>
+        <p:cNvGrpSpPr/>
+        <p:nvPr/>
+      </p:nvGrpSpPr>
+      <p:grpSpPr>
+        <a:xfrm>
+          <a:off x="0" y="0"/>
+          <a:ext cx="0" cy="0"/>
+          <a:chOff x="0" y="0"/>
+          <a:chExt cx="0" cy="0"/>
+        </a:xfrm>
+      </p:grpSpPr>
+      <p:sp>
+        <p:nvSpPr>
+          <p:cNvPr id="2" name="Slide Image Placeholder 1"/>
+          <p:cNvSpPr>
+            <a:spLocks noGrp="1" noRot="1" noChangeAspect="1"/>
+          </p:cNvSpPr>
+          <p:nvPr>
+            <p:ph type="sldImg"/>
+          </p:nvPr>
+        </p:nvSpPr>
+        <p:spPr/>
+      </p:sp>
+      <p:sp>
+        <p:nvSpPr>
+          <p:cNvPr id="3" name="Notes Placeholder 2"/>
+          <p:cNvSpPr>
+            <a:spLocks noGrp="1"/>
+          </p:cNvSpPr>
+          <p:nvPr>
+            <p:ph type="body" idx="1"/>
+          </p:nvPr>
+        </p:nvSpPr>
+        <p:spPr/>
+        <p:txBody>
+          <a:bodyPr/>
+          <a:lstStyle/>
+          <a:p>
+            <a:endParaRPr lang="en-US" dirty="0"/>
+          </a:p>
+        </p:txBody>
+      </p:sp>
+      <p:sp>
+        <p:nvSpPr>
+          <p:cNvPr id="4" name="Slide Number Placeholder 3"/>
+          <p:cNvSpPr>
+            <a:spLocks noGrp="1"/>
+          </p:cNvSpPr>
+          <p:nvPr>
+            <p:ph type="sldNum" sz="quarter" idx="5"/>
+          </p:nvPr>
+        </p:nvSpPr>
+        <p:spPr/>
+        <p:txBody>
+          <a:bodyPr/>
+          <a:lstStyle/>
+          <a:p>
+            <a:fld id="{D597D5CD-8A32-455B-AC70-F92684F1476B}" type="slidenum">
+              <a:rPr lang="en-US" smtClean="0"/>
+              <a:t>1</a:t>
+            </a:fld>
+            <a:endParaRPr lang="en-US"/>
+          </a:p>
+        </p:txBody>
+      </p:sp>
+    </p:spTree>
+    <p:extLst>
+      <p:ext uri="{BB962C8B-B14F-4D97-AF65-F5344CB8AC3E}">
+        <p14:creationId xmlns:p14="http://schemas.microsoft.com/office/powerpoint/2010/main" val="2163019818"/>
+      </p:ext>
+    </p:extLst>
+  </p:cSld>
+  <p:clrMapOvr>
+    <a:masterClrMapping/>
+  </p:clrMapOvr>
+</p:notes>
+</file>
+
 <file path=ppt/slideLayouts/slideLayout1.xml><?xml version="1.0" encoding="utf-8"?>
 <p:sldLayout xmlns:a="http://schemas.openxmlformats.org/drawingml/2006/main" xmlns:r="http://schemas.openxmlformats.org/officeDocument/2006/relationships" xmlns:p="http://schemas.openxmlformats.org/presentationml/2006/main" preserve="1" userDrawn="1">
   <p:cSld name="Title Slide">
@@ -379,7 +815,7 @@
           <p:cNvPicPr>
             <a:picLocks noChangeAspect="1" noChangeArrowheads="1"/>
           </p:cNvPicPr>
-          <p:nvPr/>
+          <p:nvPr userDrawn="1"/>
         </p:nvPicPr>
         <p:blipFill>
           <a:blip r:embed="rId3">
@@ -443,7 +879,7 @@
           <p:cNvSpPr>
             <a:spLocks noChangeArrowheads="1"/>
           </p:cNvSpPr>
-          <p:nvPr/>
+          <p:nvPr userDrawn="1"/>
         </p:nvSpPr>
         <p:spPr bwMode="auto">
           <a:xfrm>
@@ -848,11 +1284,11 @@
       </p:sp>
       <p:pic>
         <p:nvPicPr>
-          <p:cNvPr id="14" name="Picture 13"/>
+          <p:cNvPr id="2" name="Picture 1"/>
           <p:cNvPicPr>
             <a:picLocks noChangeAspect="1"/>
           </p:cNvPicPr>
-          <p:nvPr/>
+          <p:nvPr userDrawn="1"/>
         </p:nvPicPr>
         <p:blipFill>
           <a:blip r:embed="rId5" cstate="print">
@@ -868,8 +1304,8 @@
         </p:blipFill>
         <p:spPr>
           <a:xfrm>
-            <a:off x="19587600" y="630000"/>
-            <a:ext cx="9368864" cy="2444400"/>
+            <a:off x="19028419" y="40886946"/>
+            <a:ext cx="1714500" cy="1714500"/>
           </a:xfrm>
           <a:prstGeom prst="rect">
             <a:avLst/>
@@ -878,28 +1314,28 @@
       </p:pic>
       <p:pic>
         <p:nvPicPr>
-          <p:cNvPr id="2" name="Picture 1"/>
+          <p:cNvPr id="4" name="Picture 3">
+            <a:extLst>
+              <a:ext uri="{FF2B5EF4-FFF2-40B4-BE49-F238E27FC236}">
+                <a16:creationId xmlns:a16="http://schemas.microsoft.com/office/drawing/2014/main" id="{B9F2A341-4B9E-42CA-AE80-FE4B487BFF8B}"/>
+              </a:ext>
+            </a:extLst>
+          </p:cNvPr>
           <p:cNvPicPr>
             <a:picLocks noChangeAspect="1"/>
           </p:cNvPicPr>
           <p:nvPr userDrawn="1"/>
         </p:nvPicPr>
         <p:blipFill>
-          <a:blip r:embed="rId6" cstate="print">
-            <a:extLst>
-              <a:ext uri="{28A0092B-C50C-407E-A947-70E740481C1C}">
-                <a14:useLocalDpi xmlns:a14="http://schemas.microsoft.com/office/drawing/2010/main" val="0"/>
-              </a:ext>
-            </a:extLst>
-          </a:blip>
+          <a:blip r:embed="rId6"/>
           <a:stretch>
             <a:fillRect/>
           </a:stretch>
         </p:blipFill>
         <p:spPr>
           <a:xfrm>
-            <a:off x="19028419" y="40886946"/>
-            <a:ext cx="1714500" cy="1714500"/>
+            <a:off x="19159192" y="106646"/>
+            <a:ext cx="11020426" cy="3301296"/>
           </a:xfrm>
           <a:prstGeom prst="rect">
             <a:avLst/>
@@ -1329,7 +1765,7 @@
           <p:nvPr/>
         </p:nvPicPr>
         <p:blipFill>
-          <a:blip r:embed="rId2" cstate="print">
+          <a:blip r:embed="rId3" cstate="print">
             <a:extLst>
               <a:ext uri="{28A0092B-C50C-407E-A947-70E740481C1C}">
                 <a14:useLocalDpi xmlns:a14="http://schemas.microsoft.com/office/drawing/2010/main" val="0"/>
@@ -1503,7 +1939,7 @@
         <p:spPr>
           <a:xfrm>
             <a:off x="1415879" y="12996858"/>
-            <a:ext cx="13033448" cy="4990047"/>
+            <a:ext cx="13033448" cy="5170645"/>
           </a:xfrm>
           <a:prstGeom prst="roundRect">
             <a:avLst/>
@@ -1577,8 +2013,8 @@
         </p:nvSpPr>
         <p:spPr>
           <a:xfrm>
-            <a:off x="15932076" y="12996859"/>
-            <a:ext cx="12932020" cy="4988001"/>
+            <a:off x="15932076" y="12996857"/>
+            <a:ext cx="12932020" cy="5170646"/>
           </a:xfrm>
           <a:prstGeom prst="roundRect">
             <a:avLst/>
@@ -1633,7 +2069,7 @@
                   <a:schemeClr val="tx1"/>
                 </a:solidFill>
               </a:rPr>
-              <a:t>Prototyping a mobile application that depicts a use case scenario for detecting fake news</a:t>
+              <a:t>Prototyping an android application that depicts a use case scenario for detecting fake news</a:t>
             </a:r>
           </a:p>
         </p:txBody>
@@ -1652,7 +2088,7 @@
         </p:nvSpPr>
         <p:spPr>
           <a:xfrm>
-            <a:off x="4450906" y="32685088"/>
+            <a:off x="4482212" y="31979884"/>
             <a:ext cx="8870251" cy="3323987"/>
           </a:xfrm>
           <a:prstGeom prst="rect">
@@ -1747,7 +2183,7 @@
           <p:nvPr/>
         </p:nvPicPr>
         <p:blipFill>
-          <a:blip r:embed="rId3">
+          <a:blip r:embed="rId4">
             <a:extLst>
               <a:ext uri="{28A0092B-C50C-407E-A947-70E740481C1C}">
                 <a14:useLocalDpi xmlns:a14="http://schemas.microsoft.com/office/drawing/2010/main" val="0"/>
@@ -1825,8 +2261,8 @@
         </p:nvSpPr>
         <p:spPr>
           <a:xfrm>
-            <a:off x="1415880" y="34635150"/>
-            <a:ext cx="12932020" cy="5275168"/>
+            <a:off x="1415879" y="33913549"/>
+            <a:ext cx="13033447" cy="5996770"/>
           </a:xfrm>
           <a:prstGeom prst="roundRect">
             <a:avLst/>
@@ -1867,7 +2303,7 @@
                   <a:schemeClr val="tx1"/>
                 </a:solidFill>
               </a:rPr>
-              <a:t>A mobile application that mitigates the spread of fake news</a:t>
+              <a:t>Incenting people to share and rank stories, and stashing the hashed result on the blockchain</a:t>
             </a:r>
           </a:p>
           <a:p>
@@ -1881,7 +2317,7 @@
                   <a:schemeClr val="tx1"/>
                 </a:solidFill>
               </a:rPr>
-              <a:t>Incenting people to share and rank stories and stash the results on the blockchain</a:t>
+              <a:t>Collecting the location traces of the users and calculate the reputation score based on their contribution  </a:t>
             </a:r>
           </a:p>
         </p:txBody>
@@ -1900,8 +2336,8 @@
         </p:nvSpPr>
         <p:spPr>
           <a:xfrm>
-            <a:off x="15932076" y="34635150"/>
-            <a:ext cx="12932020" cy="5275168"/>
+            <a:off x="15932076" y="33913549"/>
+            <a:ext cx="12932020" cy="5996770"/>
           </a:xfrm>
           <a:prstGeom prst="roundRect">
             <a:avLst/>
@@ -2005,7 +2441,7 @@
         </p:nvSpPr>
         <p:spPr>
           <a:xfrm>
-            <a:off x="18669845" y="32685088"/>
+            <a:off x="19056422" y="31979884"/>
             <a:ext cx="9045171" cy="3323987"/>
           </a:xfrm>
           <a:prstGeom prst="rect">
@@ -2049,7 +2485,7 @@
           <p:nvPr/>
         </p:nvPicPr>
         <p:blipFill>
-          <a:blip r:embed="rId4"/>
+          <a:blip r:embed="rId5"/>
           <a:stretch>
             <a:fillRect/>
           </a:stretch>
@@ -2058,6 +2494,36 @@
           <a:xfrm>
             <a:off x="2399067" y="701622"/>
             <a:ext cx="3753838" cy="2038959"/>
+          </a:xfrm>
+          <a:prstGeom prst="rect">
+            <a:avLst/>
+          </a:prstGeom>
+        </p:spPr>
+      </p:pic>
+      <p:pic>
+        <p:nvPicPr>
+          <p:cNvPr id="3" name="Picture 2">
+            <a:extLst>
+              <a:ext uri="{FF2B5EF4-FFF2-40B4-BE49-F238E27FC236}">
+                <a16:creationId xmlns:a16="http://schemas.microsoft.com/office/drawing/2014/main" id="{DD91E082-0E69-48C8-8275-59FF3BA4C1BC}"/>
+              </a:ext>
+            </a:extLst>
+          </p:cNvPr>
+          <p:cNvPicPr>
+            <a:picLocks noChangeAspect="1"/>
+          </p:cNvPicPr>
+          <p:nvPr/>
+        </p:nvPicPr>
+        <p:blipFill>
+          <a:blip r:embed="rId6"/>
+          <a:stretch>
+            <a:fillRect/>
+          </a:stretch>
+        </p:blipFill>
+        <p:spPr>
+          <a:xfrm>
+            <a:off x="19056422" y="40470231"/>
+            <a:ext cx="10499219" cy="2156164"/>
           </a:xfrm>
           <a:prstGeom prst="rect">
             <a:avLst/>
@@ -2300,4 +2766,299 @@
   <a:objectDefaults/>
   <a:extraClrSchemeLst/>
 </a:theme>
+</file>
+
+<file path=ppt/theme/theme2.xml><?xml version="1.0" encoding="utf-8"?>
+<a:theme xmlns:a="http://schemas.openxmlformats.org/drawingml/2006/main" name="Office Theme">
+  <a:themeElements>
+    <a:clrScheme name="Office">
+      <a:dk1>
+        <a:sysClr val="windowText" lastClr="000000"/>
+      </a:dk1>
+      <a:lt1>
+        <a:sysClr val="window" lastClr="FFFFFF"/>
+      </a:lt1>
+      <a:dk2>
+        <a:srgbClr val="44546A"/>
+      </a:dk2>
+      <a:lt2>
+        <a:srgbClr val="E7E6E6"/>
+      </a:lt2>
+      <a:accent1>
+        <a:srgbClr val="4472C4"/>
+      </a:accent1>
+      <a:accent2>
+        <a:srgbClr val="ED7D31"/>
+      </a:accent2>
+      <a:accent3>
+        <a:srgbClr val="A5A5A5"/>
+      </a:accent3>
+      <a:accent4>
+        <a:srgbClr val="FFC000"/>
+      </a:accent4>
+      <a:accent5>
+        <a:srgbClr val="5B9BD5"/>
+      </a:accent5>
+      <a:accent6>
+        <a:srgbClr val="70AD47"/>
+      </a:accent6>
+      <a:hlink>
+        <a:srgbClr val="0563C1"/>
+      </a:hlink>
+      <a:folHlink>
+        <a:srgbClr val="954F72"/>
+      </a:folHlink>
+    </a:clrScheme>
+    <a:fontScheme name="Office">
+      <a:majorFont>
+        <a:latin typeface="Calibri Light" panose="020F0302020204030204"/>
+        <a:ea typeface=""/>
+        <a:cs typeface=""/>
+        <a:font script="Jpan" typeface="游ゴシック Light"/>
+        <a:font script="Hang" typeface="맑은 고딕"/>
+        <a:font script="Hans" typeface="等线 Light"/>
+        <a:font script="Hant" typeface="新細明體"/>
+        <a:font script="Arab" typeface="Times New Roman"/>
+        <a:font script="Hebr" typeface="Times New Roman"/>
+        <a:font script="Thai" typeface="Angsana New"/>
+        <a:font script="Ethi" typeface="Nyala"/>
+        <a:font script="Beng" typeface="Vrinda"/>
+        <a:font script="Gujr" typeface="Shruti"/>
+        <a:font script="Khmr" typeface="MoolBoran"/>
+        <a:font script="Knda" typeface="Tunga"/>
+        <a:font script="Guru" typeface="Raavi"/>
+        <a:font script="Cans" typeface="Euphemia"/>
+        <a:font script="Cher" typeface="Plantagenet Cherokee"/>
+        <a:font script="Yiii" typeface="Microsoft Yi Baiti"/>
+        <a:font script="Tibt" typeface="Microsoft Himalaya"/>
+        <a:font script="Thaa" typeface="MV Boli"/>
+        <a:font script="Deva" typeface="Mangal"/>
+        <a:font script="Telu" typeface="Gautami"/>
+        <a:font script="Taml" typeface="Latha"/>
+        <a:font script="Syrc" typeface="Estrangelo Edessa"/>
+        <a:font script="Orya" typeface="Kalinga"/>
+        <a:font script="Mlym" typeface="Kartika"/>
+        <a:font script="Laoo" typeface="DokChampa"/>
+        <a:font script="Sinh" typeface="Iskoola Pota"/>
+        <a:font script="Mong" typeface="Mongolian Baiti"/>
+        <a:font script="Viet" typeface="Times New Roman"/>
+        <a:font script="Uigh" typeface="Microsoft Uighur"/>
+        <a:font script="Geor" typeface="Sylfaen"/>
+        <a:font script="Armn" typeface="Arial"/>
+        <a:font script="Bugi" typeface="Leelawadee UI"/>
+        <a:font script="Bopo" typeface="Microsoft JhengHei"/>
+        <a:font script="Java" typeface="Javanese Text"/>
+        <a:font script="Lisu" typeface="Segoe UI"/>
+        <a:font script="Mymr" typeface="Myanmar Text"/>
+        <a:font script="Nkoo" typeface="Ebrima"/>
+        <a:font script="Olck" typeface="Nirmala UI"/>
+        <a:font script="Osma" typeface="Ebrima"/>
+        <a:font script="Phag" typeface="Phagspa"/>
+        <a:font script="Syrn" typeface="Estrangelo Edessa"/>
+        <a:font script="Syrj" typeface="Estrangelo Edessa"/>
+        <a:font script="Syre" typeface="Estrangelo Edessa"/>
+        <a:font script="Sora" typeface="Nirmala UI"/>
+        <a:font script="Tale" typeface="Microsoft Tai Le"/>
+        <a:font script="Talu" typeface="Microsoft New Tai Lue"/>
+        <a:font script="Tfng" typeface="Ebrima"/>
+      </a:majorFont>
+      <a:minorFont>
+        <a:latin typeface="Calibri" panose="020F0502020204030204"/>
+        <a:ea typeface=""/>
+        <a:cs typeface=""/>
+        <a:font script="Jpan" typeface="游ゴシック"/>
+        <a:font script="Hang" typeface="맑은 고딕"/>
+        <a:font script="Hans" typeface="等线"/>
+        <a:font script="Hant" typeface="新細明體"/>
+        <a:font script="Arab" typeface="Arial"/>
+        <a:font script="Hebr" typeface="Arial"/>
+        <a:font script="Thai" typeface="Cordia New"/>
+        <a:font script="Ethi" typeface="Nyala"/>
+        <a:font script="Beng" typeface="Vrinda"/>
+        <a:font script="Gujr" typeface="Shruti"/>
+        <a:font script="Khmr" typeface="DaunPenh"/>
+        <a:font script="Knda" typeface="Tunga"/>
+        <a:font script="Guru" typeface="Raavi"/>
+        <a:font script="Cans" typeface="Euphemia"/>
+        <a:font script="Cher" typeface="Plantagenet Cherokee"/>
+        <a:font script="Yiii" typeface="Microsoft Yi Baiti"/>
+        <a:font script="Tibt" typeface="Microsoft Himalaya"/>
+        <a:font script="Thaa" typeface="MV Boli"/>
+        <a:font script="Deva" typeface="Mangal"/>
+        <a:font script="Telu" typeface="Gautami"/>
+        <a:font script="Taml" typeface="Latha"/>
+        <a:font script="Syrc" typeface="Estrangelo Edessa"/>
+        <a:font script="Orya" typeface="Kalinga"/>
+        <a:font script="Mlym" typeface="Kartika"/>
+        <a:font script="Laoo" typeface="DokChampa"/>
+        <a:font script="Sinh" typeface="Iskoola Pota"/>
+        <a:font script="Mong" typeface="Mongolian Baiti"/>
+        <a:font script="Viet" typeface="Arial"/>
+        <a:font script="Uigh" typeface="Microsoft Uighur"/>
+        <a:font script="Geor" typeface="Sylfaen"/>
+        <a:font script="Armn" typeface="Arial"/>
+        <a:font script="Bugi" typeface="Leelawadee UI"/>
+        <a:font script="Bopo" typeface="Microsoft JhengHei"/>
+        <a:font script="Java" typeface="Javanese Text"/>
+        <a:font script="Lisu" typeface="Segoe UI"/>
+        <a:font script="Mymr" typeface="Myanmar Text"/>
+        <a:font script="Nkoo" typeface="Ebrima"/>
+        <a:font script="Olck" typeface="Nirmala UI"/>
+        <a:font script="Osma" typeface="Ebrima"/>
+        <a:font script="Phag" typeface="Phagspa"/>
+        <a:font script="Syrn" typeface="Estrangelo Edessa"/>
+        <a:font script="Syrj" typeface="Estrangelo Edessa"/>
+        <a:font script="Syre" typeface="Estrangelo Edessa"/>
+        <a:font script="Sora" typeface="Nirmala UI"/>
+        <a:font script="Tale" typeface="Microsoft Tai Le"/>
+        <a:font script="Talu" typeface="Microsoft New Tai Lue"/>
+        <a:font script="Tfng" typeface="Ebrima"/>
+      </a:minorFont>
+    </a:fontScheme>
+    <a:fmtScheme name="Office">
+      <a:fillStyleLst>
+        <a:solidFill>
+          <a:schemeClr val="phClr"/>
+        </a:solidFill>
+        <a:gradFill rotWithShape="1">
+          <a:gsLst>
+            <a:gs pos="0">
+              <a:schemeClr val="phClr">
+                <a:lumMod val="110000"/>
+                <a:satMod val="105000"/>
+                <a:tint val="67000"/>
+              </a:schemeClr>
+            </a:gs>
+            <a:gs pos="50000">
+              <a:schemeClr val="phClr">
+                <a:lumMod val="105000"/>
+                <a:satMod val="103000"/>
+                <a:tint val="73000"/>
+              </a:schemeClr>
+            </a:gs>
+            <a:gs pos="100000">
+              <a:schemeClr val="phClr">
+                <a:lumMod val="105000"/>
+                <a:satMod val="109000"/>
+                <a:tint val="81000"/>
+              </a:schemeClr>
+            </a:gs>
+          </a:gsLst>
+          <a:lin ang="5400000" scaled="0"/>
+        </a:gradFill>
+        <a:gradFill rotWithShape="1">
+          <a:gsLst>
+            <a:gs pos="0">
+              <a:schemeClr val="phClr">
+                <a:satMod val="103000"/>
+                <a:lumMod val="102000"/>
+                <a:tint val="94000"/>
+              </a:schemeClr>
+            </a:gs>
+            <a:gs pos="50000">
+              <a:schemeClr val="phClr">
+                <a:satMod val="110000"/>
+                <a:lumMod val="100000"/>
+                <a:shade val="100000"/>
+              </a:schemeClr>
+            </a:gs>
+            <a:gs pos="100000">
+              <a:schemeClr val="phClr">
+                <a:lumMod val="99000"/>
+                <a:satMod val="120000"/>
+                <a:shade val="78000"/>
+              </a:schemeClr>
+            </a:gs>
+          </a:gsLst>
+          <a:lin ang="5400000" scaled="0"/>
+        </a:gradFill>
+      </a:fillStyleLst>
+      <a:lnStyleLst>
+        <a:ln w="6350" cap="flat" cmpd="sng" algn="ctr">
+          <a:solidFill>
+            <a:schemeClr val="phClr"/>
+          </a:solidFill>
+          <a:prstDash val="solid"/>
+          <a:miter lim="800000"/>
+        </a:ln>
+        <a:ln w="12700" cap="flat" cmpd="sng" algn="ctr">
+          <a:solidFill>
+            <a:schemeClr val="phClr"/>
+          </a:solidFill>
+          <a:prstDash val="solid"/>
+          <a:miter lim="800000"/>
+        </a:ln>
+        <a:ln w="19050" cap="flat" cmpd="sng" algn="ctr">
+          <a:solidFill>
+            <a:schemeClr val="phClr"/>
+          </a:solidFill>
+          <a:prstDash val="solid"/>
+          <a:miter lim="800000"/>
+        </a:ln>
+      </a:lnStyleLst>
+      <a:effectStyleLst>
+        <a:effectStyle>
+          <a:effectLst/>
+        </a:effectStyle>
+        <a:effectStyle>
+          <a:effectLst/>
+        </a:effectStyle>
+        <a:effectStyle>
+          <a:effectLst>
+            <a:outerShdw blurRad="57150" dist="19050" dir="5400000" algn="ctr" rotWithShape="0">
+              <a:srgbClr val="000000">
+                <a:alpha val="63000"/>
+              </a:srgbClr>
+            </a:outerShdw>
+          </a:effectLst>
+        </a:effectStyle>
+      </a:effectStyleLst>
+      <a:bgFillStyleLst>
+        <a:solidFill>
+          <a:schemeClr val="phClr"/>
+        </a:solidFill>
+        <a:solidFill>
+          <a:schemeClr val="phClr">
+            <a:tint val="95000"/>
+            <a:satMod val="170000"/>
+          </a:schemeClr>
+        </a:solidFill>
+        <a:gradFill rotWithShape="1">
+          <a:gsLst>
+            <a:gs pos="0">
+              <a:schemeClr val="phClr">
+                <a:tint val="93000"/>
+                <a:satMod val="150000"/>
+                <a:shade val="98000"/>
+                <a:lumMod val="102000"/>
+              </a:schemeClr>
+            </a:gs>
+            <a:gs pos="50000">
+              <a:schemeClr val="phClr">
+                <a:tint val="98000"/>
+                <a:satMod val="130000"/>
+                <a:shade val="90000"/>
+                <a:lumMod val="103000"/>
+              </a:schemeClr>
+            </a:gs>
+            <a:gs pos="100000">
+              <a:schemeClr val="phClr">
+                <a:shade val="63000"/>
+                <a:satMod val="120000"/>
+              </a:schemeClr>
+            </a:gs>
+          </a:gsLst>
+          <a:lin ang="5400000" scaled="0"/>
+        </a:gradFill>
+      </a:bgFillStyleLst>
+    </a:fmtScheme>
+  </a:themeElements>
+  <a:objectDefaults/>
+  <a:extraClrSchemeLst/>
+  <a:extLst>
+    <a:ext uri="{05A4C25C-085E-4340-85A3-A5531E510DB2}">
+      <thm15:themeFamily xmlns:thm15="http://schemas.microsoft.com/office/thememl/2012/main" name="Office Theme" id="{62F939B6-93AF-4DB8-9C6B-D6C7DFDC589F}" vid="{4A3C46E8-61CC-4603-A589-7422A47A8E4A}"/>
+    </a:ext>
+  </a:extLst>
+</a:theme>
 </file>